--- a/Deep learning.pptx
+++ b/Deep learning.pptx
@@ -3196,18 +3196,11 @@
               <a:defRPr/>
             </a:pPr>
             <a:r>
-              <a:rPr lang="en-US" sz="1200" b="1" dirty="0">
+              <a:rPr lang="en-US" sz="1200" b="1" dirty="0" smtClean="0">
                 <a:latin typeface="Helvetica" pitchFamily="34" charset="0"/>
                 <a:cs typeface="Helvetica" pitchFamily="34" charset="0"/>
               </a:rPr>
-              <a:t>Real-time System Safety</a:t>
-            </a:r>
-            <a:r>
-              <a:rPr lang="en-US" sz="1200" b="1" baseline="0" dirty="0">
-                <a:latin typeface="Helvetica" pitchFamily="34" charset="0"/>
-                <a:cs typeface="Helvetica" pitchFamily="34" charset="0"/>
-              </a:rPr>
-              <a:t> Analysis</a:t>
+              <a:t>Deep Learning Tutorial</a:t>
             </a:r>
             <a:endParaRPr lang="en-US" sz="1200" b="1" dirty="0">
               <a:latin typeface="Helvetica" pitchFamily="34" charset="0"/>
@@ -3352,12 +3345,16 @@
               <a:defRPr/>
             </a:pPr>
             <a:r>
-              <a:rPr lang="en-US" sz="1200" b="1" dirty="0">
+              <a:rPr lang="en-US" sz="1200" b="1" dirty="0" smtClean="0">
                 <a:latin typeface="Helvetica" pitchFamily="34" charset="0"/>
                 <a:cs typeface="Helvetica" pitchFamily="34" charset="0"/>
               </a:rPr>
-              <a:t>X. Zhang, S. Nannapaneni, S. Mahadevan</a:t>
-            </a:r>
+              <a:t>Xiaoge Zhang</a:t>
+            </a:r>
+            <a:endParaRPr lang="en-US" sz="1200" b="1" dirty="0">
+              <a:latin typeface="Helvetica" pitchFamily="34" charset="0"/>
+              <a:cs typeface="Helvetica" pitchFamily="34" charset="0"/>
+            </a:endParaRPr>
           </a:p>
           <a:p>
             <a:pPr algn="ctr">
@@ -6303,19 +6300,7 @@
               <a:rPr lang="en-US" sz="1600" dirty="0" smtClean="0">
                 <a:latin typeface="+mj-lt"/>
               </a:rPr>
-              <a:t>A cost function is needed to measure how far off our predictions are </a:t>
-            </a:r>
-            <a:r>
-              <a:rPr lang="en-US" sz="1600" dirty="0" smtClean="0">
-                <a:latin typeface="+mj-lt"/>
-              </a:rPr>
-              <a:t>away from </a:t>
-            </a:r>
-            <a:r>
-              <a:rPr lang="en-US" sz="1600" dirty="0" smtClean="0">
-                <a:latin typeface="+mj-lt"/>
-              </a:rPr>
-              <a:t>the expected value.</a:t>
+              <a:t>A cost function is needed to measure how far off our predictions are away from the expected value.</a:t>
             </a:r>
             <a:endParaRPr lang="en-US" sz="1600" dirty="0" smtClean="0">
               <a:solidFill>
@@ -6424,8 +6409,8 @@
           </a:p>
         </p:txBody>
       </p:sp>
-      <mc:AlternateContent xmlns:mc="http://schemas.openxmlformats.org/markup-compatibility/2006">
-        <mc:Choice xmlns:a14="http://schemas.microsoft.com/office/drawing/2010/main" Requires="a14">
+      <mc:AlternateContent xmlns:mc="http://schemas.openxmlformats.org/markup-compatibility/2006" xmlns:a14="http://schemas.microsoft.com/office/drawing/2010/main">
+        <mc:Choice Requires="a14">
           <p:sp>
             <p:nvSpPr>
               <p:cNvPr id="6" name="Rectangle 5"/>
@@ -6975,7 +6960,7 @@
             </p:txBody>
           </p:sp>
         </mc:Choice>
-        <mc:Fallback>
+        <mc:Fallback xmlns="">
           <p:sp>
             <p:nvSpPr>
               <p:cNvPr id="6" name="Rectangle 5"/>
@@ -7238,9 +7223,6 @@
               </a:rPr>
               <a:t>.</a:t>
             </a:r>
-            <a:endParaRPr lang="en-US" sz="1800" dirty="0" smtClean="0">
-              <a:latin typeface="+mj-lt"/>
-            </a:endParaRPr>
           </a:p>
           <a:p>
             <a:pPr algn="just">
@@ -7365,11 +7347,7 @@
           <a:p>
             <a:r>
               <a:rPr lang="en-US" dirty="0" smtClean="0"/>
-              <a:t>Different Types of Neural </a:t>
-            </a:r>
-            <a:r>
-              <a:rPr lang="en-US" dirty="0" smtClean="0"/>
-              <a:t>Networks</a:t>
+              <a:t>Different Types of Neural Networks</a:t>
             </a:r>
             <a:endParaRPr lang="en-US" dirty="0"/>
           </a:p>
@@ -7648,11 +7626,7 @@
           <a:p>
             <a:r>
               <a:rPr lang="en-US" sz="2400" dirty="0" smtClean="0"/>
-              <a:t>Convolutional Neural </a:t>
-            </a:r>
-            <a:r>
-              <a:rPr lang="en-US" sz="2400" dirty="0" smtClean="0"/>
-              <a:t>Network (CNN)</a:t>
+              <a:t>Convolutional Neural Network (CNN)</a:t>
             </a:r>
             <a:endParaRPr lang="en-US" sz="2400" dirty="0"/>
           </a:p>

--- a/Deep learning.pptx
+++ b/Deep learning.pptx
@@ -3196,16 +3196,12 @@
               <a:defRPr/>
             </a:pPr>
             <a:r>
-              <a:rPr lang="en-US" sz="1200" b="1" dirty="0" smtClean="0">
+              <a:rPr lang="en-US" sz="1200" b="1" dirty="0">
                 <a:latin typeface="Helvetica" pitchFamily="34" charset="0"/>
                 <a:cs typeface="Helvetica" pitchFamily="34" charset="0"/>
               </a:rPr>
               <a:t>Deep Learning Tutorial</a:t>
             </a:r>
-            <a:endParaRPr lang="en-US" sz="1200" b="1" dirty="0">
-              <a:latin typeface="Helvetica" pitchFamily="34" charset="0"/>
-              <a:cs typeface="Helvetica" pitchFamily="34" charset="0"/>
-            </a:endParaRPr>
           </a:p>
         </p:txBody>
       </p:sp>
@@ -3345,16 +3341,12 @@
               <a:defRPr/>
             </a:pPr>
             <a:r>
-              <a:rPr lang="en-US" sz="1200" b="1" dirty="0" smtClean="0">
+              <a:rPr lang="en-US" sz="1200" b="1" dirty="0">
                 <a:latin typeface="Helvetica" pitchFamily="34" charset="0"/>
                 <a:cs typeface="Helvetica" pitchFamily="34" charset="0"/>
               </a:rPr>
               <a:t>Xiaoge Zhang</a:t>
             </a:r>
-            <a:endParaRPr lang="en-US" sz="1200" b="1" dirty="0">
-              <a:latin typeface="Helvetica" pitchFamily="34" charset="0"/>
-              <a:cs typeface="Helvetica" pitchFamily="34" charset="0"/>
-            </a:endParaRPr>
           </a:p>
           <a:p>
             <a:pPr algn="ctr">
@@ -3809,7 +3801,7 @@
               <a:defRPr/>
             </a:pPr>
             <a:r>
-              <a:rPr lang="en-US" altLang="zh-CN" sz="2800" b="1" kern="0" dirty="0" smtClean="0">
+              <a:rPr lang="en-US" altLang="zh-CN" sz="2800" b="1" kern="0" dirty="0">
                 <a:latin typeface="+mj-lt"/>
                 <a:ea typeface="+mj-ea"/>
                 <a:cs typeface="+mj-cs"/>
@@ -3862,29 +3854,8 @@
                 </a:solidFill>
                 <a:latin typeface="+mn-lt"/>
               </a:rPr>
-              <a:t>Xiaoge </a:t>
-            </a:r>
-            <a:r>
-              <a:rPr lang="en-US" sz="2000" kern="0" dirty="0" smtClean="0">
-                <a:solidFill>
-                  <a:schemeClr val="tx1">
-                    <a:lumMod val="75000"/>
-                    <a:lumOff val="25000"/>
-                  </a:schemeClr>
-                </a:solidFill>
-                <a:latin typeface="+mn-lt"/>
-              </a:rPr>
-              <a:t>Zhang</a:t>
-            </a:r>
-            <a:endParaRPr lang="en-US" sz="2000" kern="0" dirty="0">
-              <a:solidFill>
-                <a:schemeClr val="tx1">
-                  <a:lumMod val="75000"/>
-                  <a:lumOff val="25000"/>
-                </a:schemeClr>
-              </a:solidFill>
-              <a:latin typeface="+mn-lt"/>
-            </a:endParaRPr>
+              <a:t>Xiaoge Zhang</a:t>
+            </a:r>
           </a:p>
           <a:p>
             <a:pPr marL="342900" indent="-342900" algn="ctr" eaLnBrk="0" hangingPunct="0">
@@ -3905,20 +3876,7 @@
                 <a:latin typeface="+mn-lt"/>
                 <a:cs typeface="+mn-cs"/>
               </a:rPr>
-              <a:t>Vanderbilt University, Nashville, </a:t>
-            </a:r>
-            <a:r>
-              <a:rPr lang="en-US" sz="2000" kern="0" dirty="0" smtClean="0">
-                <a:solidFill>
-                  <a:schemeClr val="tx1">
-                    <a:lumMod val="75000"/>
-                    <a:lumOff val="25000"/>
-                  </a:schemeClr>
-                </a:solidFill>
-                <a:latin typeface="+mn-lt"/>
-                <a:cs typeface="+mn-cs"/>
-              </a:rPr>
-              <a:t>TN</a:t>
+              <a:t>Vanderbilt University, Nashville, TN</a:t>
             </a:r>
             <a:endParaRPr lang="en-US" sz="2000" kern="0" dirty="0">
               <a:solidFill>
@@ -3939,18 +3897,6 @@
               <a:defRPr/>
             </a:pPr>
             <a:r>
-              <a:rPr lang="en-US" sz="2000" kern="0" dirty="0" smtClean="0">
-                <a:solidFill>
-                  <a:schemeClr val="tx1">
-                    <a:lumMod val="75000"/>
-                    <a:lumOff val="25000"/>
-                  </a:schemeClr>
-                </a:solidFill>
-                <a:latin typeface="+mn-lt"/>
-              </a:rPr>
-              <a:t>March 16, </a:t>
-            </a:r>
-            <a:r>
               <a:rPr lang="en-US" sz="2000" kern="0" dirty="0">
                 <a:solidFill>
                   <a:schemeClr val="tx1">
@@ -3960,7 +3906,7 @@
                 </a:solidFill>
                 <a:latin typeface="+mn-lt"/>
               </a:rPr>
-              <a:t>2018</a:t>
+              <a:t>March 16, 2018</a:t>
             </a:r>
             <a:endParaRPr lang="en-US" sz="2000" kern="0" dirty="0">
               <a:solidFill>
@@ -3985,13 +3931,6 @@
   <p:clrMapOvr>
     <a:masterClrMapping/>
   </p:clrMapOvr>
-  <p:timing>
-    <p:tnLst>
-      <p:par>
-        <p:cTn id="1" dur="indefinite" restart="never" nodeType="tmRoot"/>
-      </p:par>
-    </p:tnLst>
-  </p:timing>
 </p:sld>
 </file>
 
@@ -4120,49 +4059,8 @@
                 <a:ea typeface="Arial" charset="0"/>
                 <a:cs typeface="Arial" charset="0"/>
               </a:rPr>
-              <a:t>, and Geoffrey Hinton. "Deep learning." </a:t>
-            </a:r>
-            <a:r>
-              <a:rPr lang="en-US" sz="1050" dirty="0" smtClean="0">
-                <a:solidFill>
-                  <a:srgbClr val="00B050"/>
-                </a:solidFill>
-                <a:latin typeface="Arial" charset="0"/>
-                <a:ea typeface="Arial" charset="0"/>
-                <a:cs typeface="Arial" charset="0"/>
-              </a:rPr>
-              <a:t>Nature </a:t>
-            </a:r>
-            <a:r>
-              <a:rPr lang="en-US" sz="1050" dirty="0">
-                <a:solidFill>
-                  <a:srgbClr val="00B050"/>
-                </a:solidFill>
-                <a:latin typeface="Arial" charset="0"/>
-                <a:ea typeface="Arial" charset="0"/>
-                <a:cs typeface="Arial" charset="0"/>
-              </a:rPr>
-              <a:t>521, no. 7553 (2015): </a:t>
-            </a:r>
-            <a:r>
-              <a:rPr lang="en-US" sz="1050" dirty="0" smtClean="0">
-                <a:solidFill>
-                  <a:srgbClr val="00B050"/>
-                </a:solidFill>
-                <a:latin typeface="Arial" charset="0"/>
-                <a:ea typeface="Arial" charset="0"/>
-                <a:cs typeface="Arial" charset="0"/>
-              </a:rPr>
-              <a:t>436-444.</a:t>
-            </a:r>
-            <a:endParaRPr lang="en-US" sz="1050" dirty="0">
-              <a:solidFill>
-                <a:srgbClr val="00B050"/>
-              </a:solidFill>
-              <a:latin typeface="Arial" charset="0"/>
-              <a:ea typeface="Arial" charset="0"/>
-              <a:cs typeface="Arial" charset="0"/>
-            </a:endParaRPr>
+              <a:t>, and Geoffrey Hinton. "Deep learning." Nature 521, no. 7553 (2015): 436-444.</a:t>
+            </a:r>
           </a:p>
         </p:txBody>
       </p:sp>
@@ -4196,34 +4094,10 @@
               <a:buChar char="•"/>
             </a:pPr>
             <a:r>
-              <a:rPr lang="en-US" sz="1600" dirty="0" smtClean="0">
-                <a:latin typeface="+mn-lt"/>
-              </a:rPr>
-              <a:t>Artificial neural </a:t>
-            </a:r>
-            <a:r>
               <a:rPr lang="en-US" sz="1600" dirty="0">
                 <a:latin typeface="+mn-lt"/>
               </a:rPr>
-              <a:t>network is an information processing paradigm that is inspired by the way biological nervous </a:t>
-            </a:r>
-            <a:r>
-              <a:rPr lang="en-US" sz="1600" dirty="0" smtClean="0">
-                <a:latin typeface="+mn-lt"/>
-              </a:rPr>
-              <a:t>systems with a </a:t>
-            </a:r>
-            <a:r>
-              <a:rPr lang="en-US" sz="1600" dirty="0">
-                <a:latin typeface="+mn-lt"/>
-              </a:rPr>
-              <a:t>large number of highly interconnected processing elements </a:t>
-            </a:r>
-            <a:r>
-              <a:rPr lang="en-US" sz="1600" dirty="0" smtClean="0">
-                <a:latin typeface="+mn-lt"/>
-              </a:rPr>
-              <a:t>(neurons) working together to learn from the data.</a:t>
+              <a:t>Artificial neural network is an information processing paradigm that is inspired by the way biological nervous systems with a large number of highly interconnected processing elements (neurons) working together to learn from the data.</a:t>
             </a:r>
           </a:p>
           <a:p>
@@ -4232,7 +4106,7 @@
                 <a:spcPct val="150000"/>
               </a:lnSpc>
             </a:pPr>
-            <a:endParaRPr lang="en-US" sz="1600" dirty="0" smtClean="0">
+            <a:endParaRPr lang="en-US" sz="1600" dirty="0">
               <a:latin typeface="+mn-lt"/>
             </a:endParaRPr>
           </a:p>
@@ -4260,13 +4134,7 @@
               <a:rPr lang="en-US" sz="1600" dirty="0">
                 <a:latin typeface="+mn-lt"/>
               </a:rPr>
-              <a:t> with multiple levels of representation, obtained by composing simple but non-linear modules that each transform the representation at one level (starting with the raw input) into a representation at a higher, slightly more abstract level</a:t>
-            </a:r>
-            <a:r>
-              <a:rPr lang="en-US" sz="1600" dirty="0" smtClean="0">
-                <a:latin typeface="+mn-lt"/>
-              </a:rPr>
-              <a:t>.</a:t>
+              <a:t> with multiple levels of representation, obtained by composing simple but non-linear modules that each transform the representation at one level (starting with the raw input) into a representation at a higher, slightly more abstract level.</a:t>
             </a:r>
           </a:p>
           <a:p>
@@ -4277,7 +4145,7 @@
               <a:buFont typeface="Arial" panose="020B0604020202020204" pitchFamily="34" charset="0"/>
               <a:buChar char="•"/>
             </a:pPr>
-            <a:endParaRPr lang="en-US" sz="1600" dirty="0" smtClean="0">
+            <a:endParaRPr lang="en-US" sz="1600" dirty="0">
               <a:latin typeface="+mn-lt"/>
             </a:endParaRPr>
           </a:p>
@@ -4290,28 +4158,10 @@
               <a:buChar char="•"/>
             </a:pPr>
             <a:r>
-              <a:rPr lang="en-US" sz="1600" dirty="0" smtClean="0">
-                <a:latin typeface="+mn-lt"/>
-              </a:rPr>
-              <a:t>The </a:t>
-            </a:r>
-            <a:r>
               <a:rPr lang="en-US" sz="1600" dirty="0">
                 <a:latin typeface="+mn-lt"/>
               </a:rPr>
-              <a:t>key aspect of deep learning is that </a:t>
-            </a:r>
-            <a:r>
-              <a:rPr lang="en-US" sz="1600" dirty="0" smtClean="0">
-                <a:latin typeface="+mn-lt"/>
-              </a:rPr>
-              <a:t>the </a:t>
-            </a:r>
-            <a:r>
-              <a:rPr lang="en-US" sz="1600" dirty="0">
-                <a:latin typeface="+mn-lt"/>
-              </a:rPr>
-              <a:t>layers of features </a:t>
+              <a:t>The key aspect of deep learning is that the layers of features </a:t>
             </a:r>
             <a:r>
               <a:rPr lang="en-US" sz="1600" u="sng" dirty="0">
@@ -4323,13 +4173,7 @@
               <a:rPr lang="en-US" sz="1600" dirty="0">
                 <a:latin typeface="+mn-lt"/>
               </a:rPr>
-              <a:t>: they are learned from data using a general-purpose learning </a:t>
-            </a:r>
-            <a:r>
-              <a:rPr lang="en-US" sz="1600" dirty="0" smtClean="0">
-                <a:latin typeface="+mn-lt"/>
-              </a:rPr>
-              <a:t>procedure.</a:t>
+              <a:t>: they are learned from data using a general-purpose learning procedure.</a:t>
             </a:r>
           </a:p>
         </p:txBody>
@@ -4344,13 +4188,6 @@
   <p:clrMapOvr>
     <a:masterClrMapping/>
   </p:clrMapOvr>
-  <p:timing>
-    <p:tnLst>
-      <p:par>
-        <p:cTn id="1" dur="indefinite" restart="never" nodeType="tmRoot"/>
-      </p:par>
-    </p:tnLst>
-  </p:timing>
 </p:sld>
 </file>
 
@@ -4425,7 +4262,7 @@
               </a:lnSpc>
             </a:pPr>
             <a:r>
-              <a:rPr lang="en-US" sz="1600" dirty="0" smtClean="0">
+              <a:rPr lang="en-US" sz="1600" dirty="0">
                 <a:latin typeface="+mj-lt"/>
               </a:rPr>
               <a:t>There are four key components in a neural network.</a:t>
@@ -4440,7 +4277,7 @@
               <a:buChar char="§"/>
             </a:pPr>
             <a:r>
-              <a:rPr lang="en-US" sz="1600" dirty="0" smtClean="0">
+              <a:rPr lang="en-US" sz="1600" dirty="0">
                 <a:latin typeface="+mj-lt"/>
               </a:rPr>
               <a:t>Neurons</a:t>
@@ -4455,7 +4292,7 @@
               <a:buChar char="§"/>
             </a:pPr>
             <a:r>
-              <a:rPr lang="en-US" sz="1600" dirty="0" smtClean="0">
+              <a:rPr lang="en-US" sz="1600" dirty="0">
                 <a:latin typeface="+mj-lt"/>
               </a:rPr>
               <a:t>Activation Functions </a:t>
@@ -4470,16 +4307,10 @@
               <a:buChar char="§"/>
             </a:pPr>
             <a:r>
-              <a:rPr lang="en-US" sz="1600" dirty="0" smtClean="0">
-                <a:latin typeface="+mj-lt"/>
-              </a:rPr>
-              <a:t>Cost </a:t>
-            </a:r>
-            <a:r>
               <a:rPr lang="en-US" sz="1600" dirty="0">
                 <a:latin typeface="+mj-lt"/>
               </a:rPr>
-              <a:t>Functions </a:t>
+              <a:t>Cost Functions </a:t>
             </a:r>
           </a:p>
           <a:p>
@@ -4491,14 +4322,11 @@
               <a:buChar char="§"/>
             </a:pPr>
             <a:r>
-              <a:rPr lang="en-US" sz="1600" dirty="0" smtClean="0">
+              <a:rPr lang="en-US" sz="1600" dirty="0">
                 <a:latin typeface="+mj-lt"/>
               </a:rPr>
               <a:t>Backpropagation (stochastic gradient descent)</a:t>
             </a:r>
-            <a:endParaRPr lang="en-US" sz="1600" dirty="0">
-              <a:latin typeface="+mj-lt"/>
-            </a:endParaRPr>
           </a:p>
         </p:txBody>
       </p:sp>
@@ -4573,13 +4401,8 @@
             </a:r>
             <a:r>
               <a:rPr lang="en-US" sz="1400" dirty="0"/>
-              <a:t>: number of hidden layers &gt; </a:t>
-            </a:r>
-            <a:r>
-              <a:rPr lang="en-US" sz="1400" dirty="0" smtClean="0"/>
-              <a:t>2</a:t>
-            </a:r>
-            <a:endParaRPr lang="en-US" sz="1400" dirty="0"/>
+              <a:t>: number of hidden layers &gt; 2</a:t>
+            </a:r>
           </a:p>
         </p:txBody>
       </p:sp>
@@ -4761,10 +4584,9 @@
           <a:lstStyle/>
           <a:p>
             <a:r>
-              <a:rPr lang="en-US" dirty="0" smtClean="0"/>
+              <a:rPr lang="en-US" dirty="0"/>
               <a:t>Neurons</a:t>
             </a:r>
-            <a:endParaRPr lang="en-US" dirty="0"/>
           </a:p>
         </p:txBody>
       </p:sp>
@@ -4825,7 +4647,7 @@
                       <m:sSub>
                         <m:sSubPr>
                           <m:ctrlPr>
-                            <a:rPr lang="en-US" sz="2400" b="0" i="1" smtClean="0">
+                            <a:rPr lang="en-US" sz="2400" b="1" i="1" smtClean="0">
                               <a:solidFill>
                                 <a:srgbClr val="FF00FF"/>
                               </a:solidFill>
@@ -4835,29 +4657,29 @@
                         </m:sSubPr>
                         <m:e>
                           <m:r>
-                            <a:rPr lang="en-US" sz="2400" b="0" i="1" smtClean="0">
+                            <a:rPr lang="en-US" sz="2400" b="1" i="1" smtClean="0">
                               <a:solidFill>
                                 <a:srgbClr val="FF00FF"/>
                               </a:solidFill>
                               <a:latin typeface="Cambria Math" panose="02040503050406030204" pitchFamily="18" charset="0"/>
                             </a:rPr>
-                            <m:t>𝑎</m:t>
+                            <m:t>𝒂</m:t>
                           </m:r>
                         </m:e>
                         <m:sub>
                           <m:r>
-                            <a:rPr lang="en-US" sz="2400" b="0" i="1" smtClean="0">
+                            <a:rPr lang="en-US" sz="2400" b="1" i="1" smtClean="0">
                               <a:solidFill>
                                 <a:srgbClr val="FF00FF"/>
                               </a:solidFill>
                               <a:latin typeface="Cambria Math" panose="02040503050406030204" pitchFamily="18" charset="0"/>
                             </a:rPr>
-                            <m:t>𝑖</m:t>
+                            <m:t>𝒊</m:t>
                           </m:r>
                         </m:sub>
                       </m:sSub>
                       <m:r>
-                        <a:rPr lang="en-US" sz="2400" b="0" i="1" smtClean="0">
+                        <a:rPr lang="en-US" sz="2400" b="1" i="1" smtClean="0">
                           <a:solidFill>
                             <a:srgbClr val="FF00FF"/>
                           </a:solidFill>
@@ -4866,18 +4688,18 @@
                         <m:t>=</m:t>
                       </m:r>
                       <m:r>
-                        <a:rPr lang="en-US" sz="2400" b="0" i="1" smtClean="0">
+                        <a:rPr lang="en-US" sz="2400" b="1" i="1" smtClean="0">
                           <a:solidFill>
                             <a:srgbClr val="FF00FF"/>
                           </a:solidFill>
                           <a:latin typeface="Cambria Math" panose="02040503050406030204" pitchFamily="18" charset="0"/>
                         </a:rPr>
-                        <m:t>𝑔</m:t>
+                        <m:t>𝒈</m:t>
                       </m:r>
                       <m:d>
                         <m:dPr>
                           <m:ctrlPr>
-                            <a:rPr lang="en-US" sz="2400" b="0" i="1" smtClean="0">
+                            <a:rPr lang="en-US" sz="2400" b="1" i="1" smtClean="0">
                               <a:solidFill>
                                 <a:srgbClr val="FF00FF"/>
                               </a:solidFill>
@@ -4887,18 +4709,18 @@
                         </m:dPr>
                         <m:e>
                           <m:r>
-                            <a:rPr lang="en-US" sz="2400" b="0" i="1" smtClean="0">
+                            <a:rPr lang="en-US" sz="2400" b="1" i="1" smtClean="0">
                               <a:solidFill>
                                 <a:srgbClr val="FF00FF"/>
                               </a:solidFill>
                               <a:latin typeface="Cambria Math" panose="02040503050406030204" pitchFamily="18" charset="0"/>
                             </a:rPr>
-                            <m:t>𝑖</m:t>
+                            <m:t>𝒊</m:t>
                           </m:r>
                           <m:sSub>
                             <m:sSubPr>
                               <m:ctrlPr>
-                                <a:rPr lang="en-US" sz="2400" b="0" i="1" smtClean="0">
+                                <a:rPr lang="en-US" sz="2400" b="1" i="1" smtClean="0">
                                   <a:solidFill>
                                     <a:srgbClr val="FF00FF"/>
                                   </a:solidFill>
@@ -4908,31 +4730,31 @@
                             </m:sSubPr>
                             <m:e>
                               <m:r>
-                                <a:rPr lang="en-US" sz="2400" b="0" i="1" smtClean="0">
+                                <a:rPr lang="en-US" sz="2400" b="1" i="1" smtClean="0">
                                   <a:solidFill>
                                     <a:srgbClr val="FF00FF"/>
                                   </a:solidFill>
                                   <a:latin typeface="Cambria Math" panose="02040503050406030204" pitchFamily="18" charset="0"/>
                                 </a:rPr>
-                                <m:t>𝑛</m:t>
+                                <m:t>𝒏</m:t>
                               </m:r>
                             </m:e>
                             <m:sub>
                               <m:r>
-                                <a:rPr lang="en-US" sz="2400" b="0" i="1" smtClean="0">
+                                <a:rPr lang="en-US" sz="2400" b="1" i="1" smtClean="0">
                                   <a:solidFill>
                                     <a:srgbClr val="FF00FF"/>
                                   </a:solidFill>
                                   <a:latin typeface="Cambria Math" panose="02040503050406030204" pitchFamily="18" charset="0"/>
                                 </a:rPr>
-                                <m:t>𝑖</m:t>
+                                <m:t>𝒊</m:t>
                               </m:r>
                             </m:sub>
                           </m:sSub>
                         </m:e>
                       </m:d>
                       <m:r>
-                        <a:rPr lang="en-US" sz="2400" b="0" i="1" smtClean="0">
+                        <a:rPr lang="en-US" sz="2400" b="1" i="1" smtClean="0">
                           <a:solidFill>
                             <a:srgbClr val="FF00FF"/>
                           </a:solidFill>
@@ -4941,18 +4763,18 @@
                         <m:t>=</m:t>
                       </m:r>
                       <m:r>
-                        <a:rPr lang="en-US" sz="2400" b="0" i="1" smtClean="0">
+                        <a:rPr lang="en-US" sz="2400" b="1" i="1" smtClean="0">
                           <a:solidFill>
                             <a:srgbClr val="FF00FF"/>
                           </a:solidFill>
                           <a:latin typeface="Cambria Math" panose="02040503050406030204" pitchFamily="18" charset="0"/>
                         </a:rPr>
-                        <m:t>𝑔</m:t>
+                        <m:t>𝒈</m:t>
                       </m:r>
                       <m:d>
                         <m:dPr>
                           <m:ctrlPr>
-                            <a:rPr lang="en-US" sz="2400" b="0" i="1" smtClean="0">
+                            <a:rPr lang="en-US" sz="2400" b="1" i="1" smtClean="0">
                               <a:solidFill>
                                 <a:srgbClr val="FF00FF"/>
                               </a:solidFill>
@@ -4965,7 +4787,7 @@
                             <m:naryPr>
                               <m:chr m:val="∑"/>
                               <m:ctrlPr>
-                                <a:rPr lang="en-US" sz="2400" b="0" i="1" smtClean="0">
+                                <a:rPr lang="en-US" sz="2400" b="1" i="1" smtClean="0">
                                   <a:solidFill>
                                     <a:srgbClr val="FF00FF"/>
                                   </a:solidFill>
@@ -4978,40 +4800,49 @@
                                 <m:rPr>
                                   <m:brk m:alnAt="23"/>
                                 </m:rPr>
-                                <a:rPr lang="en-US" sz="2400" b="0" i="1" smtClean="0">
+                                <a:rPr lang="en-US" sz="2400" b="1" i="1" smtClean="0">
                                   <a:solidFill>
                                     <a:srgbClr val="FF00FF"/>
                                   </a:solidFill>
                                   <a:latin typeface="Cambria Math" panose="02040503050406030204" pitchFamily="18" charset="0"/>
                                 </a:rPr>
-                                <m:t>𝑗</m:t>
+                                <m:t>𝒋</m:t>
                               </m:r>
                               <m:r>
-                                <a:rPr lang="en-US" sz="2400" b="0" i="1" smtClean="0">
+                                <a:rPr lang="en-US" sz="2400" b="1" i="1" smtClean="0">
                                   <a:solidFill>
                                     <a:srgbClr val="FF00FF"/>
                                   </a:solidFill>
                                   <a:latin typeface="Cambria Math" panose="02040503050406030204" pitchFamily="18" charset="0"/>
                                 </a:rPr>
-                                <m:t>=0</m:t>
+                                <m:t>=</m:t>
                               </m:r>
-                            </m:sub>
-                            <m:sup>
                               <m:r>
-                                <a:rPr lang="en-US" sz="2400" b="0" i="1" smtClean="0">
+                                <a:rPr lang="en-US" sz="2400" b="1" i="1" smtClean="0">
                                   <a:solidFill>
                                     <a:srgbClr val="FF00FF"/>
                                   </a:solidFill>
                                   <a:latin typeface="Cambria Math" panose="02040503050406030204" pitchFamily="18" charset="0"/>
                                 </a:rPr>
-                                <m:t>𝑚</m:t>
+                                <m:t>𝟎</m:t>
+                              </m:r>
+                            </m:sub>
+                            <m:sup>
+                              <m:r>
+                                <a:rPr lang="en-US" sz="2400" b="1" i="1" smtClean="0">
+                                  <a:solidFill>
+                                    <a:srgbClr val="FF00FF"/>
+                                  </a:solidFill>
+                                  <a:latin typeface="Cambria Math" panose="02040503050406030204" pitchFamily="18" charset="0"/>
+                                </a:rPr>
+                                <m:t>𝒎</m:t>
                               </m:r>
                             </m:sup>
                             <m:e>
                               <m:sSub>
                                 <m:sSubPr>
                                   <m:ctrlPr>
-                                    <a:rPr lang="en-US" sz="2400" b="0" i="1" smtClean="0">
+                                    <a:rPr lang="en-US" sz="2400" b="1" i="1" smtClean="0">
                                       <a:solidFill>
                                         <a:srgbClr val="FF00FF"/>
                                       </a:solidFill>
@@ -5021,31 +4852,31 @@
                                 </m:sSubPr>
                                 <m:e>
                                   <m:r>
-                                    <a:rPr lang="en-US" sz="2400" b="0" i="1" smtClean="0">
+                                    <a:rPr lang="en-US" sz="2400" b="1" i="1" smtClean="0">
                                       <a:solidFill>
                                         <a:srgbClr val="FF00FF"/>
                                       </a:solidFill>
                                       <a:latin typeface="Cambria Math" panose="02040503050406030204" pitchFamily="18" charset="0"/>
                                     </a:rPr>
-                                    <m:t>𝑎</m:t>
+                                    <m:t>𝒂</m:t>
                                   </m:r>
                                 </m:e>
                                 <m:sub>
                                   <m:r>
-                                    <a:rPr lang="en-US" sz="2400" b="0" i="1" smtClean="0">
+                                    <a:rPr lang="en-US" sz="2400" b="1" i="1" smtClean="0">
                                       <a:solidFill>
                                         <a:srgbClr val="FF00FF"/>
                                       </a:solidFill>
                                       <a:latin typeface="Cambria Math" panose="02040503050406030204" pitchFamily="18" charset="0"/>
                                     </a:rPr>
-                                    <m:t>𝑗</m:t>
+                                    <m:t>𝒋</m:t>
                                   </m:r>
                                 </m:sub>
                               </m:sSub>
                               <m:sSub>
                                 <m:sSubPr>
                                   <m:ctrlPr>
-                                    <a:rPr lang="en-US" sz="2400" b="0" i="1" smtClean="0">
+                                    <a:rPr lang="en-US" sz="2400" b="1" i="1" smtClean="0">
                                       <a:solidFill>
                                         <a:srgbClr val="FF00FF"/>
                                       </a:solidFill>
@@ -5055,27 +4886,27 @@
                                 </m:sSubPr>
                                 <m:e>
                                   <m:r>
-                                    <a:rPr lang="en-US" sz="2400" b="0" i="1" smtClean="0">
+                                    <a:rPr lang="en-US" sz="2400" b="1" i="1" smtClean="0">
                                       <a:solidFill>
                                         <a:srgbClr val="FF00FF"/>
                                       </a:solidFill>
                                       <a:latin typeface="Cambria Math" panose="02040503050406030204" pitchFamily="18" charset="0"/>
                                     </a:rPr>
-                                    <m:t>𝑊</m:t>
+                                    <m:t>𝑾</m:t>
                                   </m:r>
                                 </m:e>
                                 <m:sub>
                                   <m:r>
-                                    <a:rPr lang="en-US" sz="2400" b="0" i="1" smtClean="0">
+                                    <a:rPr lang="en-US" sz="2400" b="1" i="1" smtClean="0">
                                       <a:solidFill>
                                         <a:srgbClr val="FF00FF"/>
                                       </a:solidFill>
                                       <a:latin typeface="Cambria Math" panose="02040503050406030204" pitchFamily="18" charset="0"/>
                                     </a:rPr>
-                                    <m:t>𝑗</m:t>
+                                    <m:t>𝒋</m:t>
                                   </m:r>
                                   <m:r>
-                                    <a:rPr lang="en-US" sz="2400" b="0" i="1" smtClean="0">
+                                    <a:rPr lang="en-US" sz="2400" b="1" i="1" smtClean="0">
                                       <a:solidFill>
                                         <a:srgbClr val="FF00FF"/>
                                       </a:solidFill>
@@ -5084,13 +4915,13 @@
                                     <m:t>,</m:t>
                                   </m:r>
                                   <m:r>
-                                    <a:rPr lang="en-US" sz="2400" b="0" i="1" smtClean="0">
+                                    <a:rPr lang="en-US" sz="2400" b="1" i="1" smtClean="0">
                                       <a:solidFill>
                                         <a:srgbClr val="FF00FF"/>
                                       </a:solidFill>
                                       <a:latin typeface="Cambria Math" panose="02040503050406030204" pitchFamily="18" charset="0"/>
                                     </a:rPr>
-                                    <m:t>𝑖</m:t>
+                                    <m:t>𝒊</m:t>
                                   </m:r>
                                 </m:sub>
                               </m:sSub>
@@ -5101,7 +4932,7 @@
                     </m:oMath>
                   </m:oMathPara>
                 </a14:m>
-                <a:endParaRPr lang="en-US" sz="2400" dirty="0" smtClean="0">
+                <a:endParaRPr lang="en-US" sz="2400" b="1" dirty="0">
                   <a:solidFill>
                     <a:srgbClr val="FF00FF"/>
                   </a:solidFill>
@@ -5128,10 +4959,10 @@
               <a:prstGeom prst="rect">
                 <a:avLst/>
               </a:prstGeom>
-              <a:blipFill rotWithShape="0">
+              <a:blipFill>
                 <a:blip r:embed="rId3"/>
                 <a:stretch>
-                  <a:fillRect/>
+                  <a:fillRect t="-84314" b="-131373"/>
                 </a:stretch>
               </a:blipFill>
             </p:spPr>
@@ -5174,7 +5005,7 @@
           <a:p>
             <a:pPr algn="ctr"/>
             <a:r>
-              <a:rPr lang="en-US" sz="1400" b="1" dirty="0" smtClean="0">
+              <a:rPr lang="en-US" sz="1400" b="1" dirty="0">
                 <a:solidFill>
                   <a:schemeClr val="tx1"/>
                 </a:solidFill>
@@ -5209,7 +5040,7 @@
           <a:p>
             <a:pPr algn="ctr"/>
             <a:r>
-              <a:rPr lang="en-US" sz="1400" b="1" dirty="0" smtClean="0">
+              <a:rPr lang="en-US" sz="1400" b="1" dirty="0">
                 <a:solidFill>
                   <a:schemeClr val="tx1"/>
                 </a:solidFill>
@@ -5244,7 +5075,7 @@
           <a:p>
             <a:pPr algn="ctr"/>
             <a:r>
-              <a:rPr lang="en-US" sz="1400" b="1" dirty="0" smtClean="0">
+              <a:rPr lang="en-US" sz="1400" b="1" dirty="0">
                 <a:solidFill>
                   <a:schemeClr val="tx1"/>
                 </a:solidFill>
@@ -5279,7 +5110,7 @@
           <a:p>
             <a:pPr algn="ctr"/>
             <a:r>
-              <a:rPr lang="en-US" sz="1400" b="1" dirty="0" smtClean="0">
+              <a:rPr lang="en-US" sz="1400" b="1" dirty="0">
                 <a:solidFill>
                   <a:schemeClr val="tx1"/>
                 </a:solidFill>
@@ -5314,7 +5145,7 @@
           <a:p>
             <a:pPr algn="ctr"/>
             <a:r>
-              <a:rPr lang="en-US" sz="1400" b="1" dirty="0" smtClean="0">
+              <a:rPr lang="en-US" sz="1400" b="1" dirty="0">
                 <a:solidFill>
                   <a:schemeClr val="tx1"/>
                 </a:solidFill>
@@ -5350,29 +5181,8 @@
               <a:rPr lang="en-US" sz="1800" dirty="0">
                 <a:latin typeface="+mj-lt"/>
               </a:rPr>
-              <a:t>Output is a </a:t>
-            </a:r>
-            <a:r>
-              <a:rPr lang="en-US" sz="1800" dirty="0" smtClean="0">
-                <a:latin typeface="+mj-lt"/>
-              </a:rPr>
-              <a:t>“squashed” </a:t>
-            </a:r>
-            <a:r>
-              <a:rPr lang="en-US" sz="1800" dirty="0">
-                <a:latin typeface="+mj-lt"/>
-              </a:rPr>
-              <a:t>linear function of the </a:t>
-            </a:r>
-            <a:r>
-              <a:rPr lang="en-US" sz="1800" dirty="0" smtClean="0">
-                <a:latin typeface="+mj-lt"/>
-              </a:rPr>
-              <a:t>inputs</a:t>
-            </a:r>
-            <a:endParaRPr lang="en-US" sz="1800" dirty="0">
-              <a:latin typeface="+mj-lt"/>
-            </a:endParaRPr>
+              <a:t>Output is a “squashed” linear function of the inputs</a:t>
+            </a:r>
           </a:p>
         </p:txBody>
       </p:sp>
@@ -5386,13 +5196,6 @@
   <p:clrMapOvr>
     <a:masterClrMapping/>
   </p:clrMapOvr>
-  <p:timing>
-    <p:tnLst>
-      <p:par>
-        <p:cTn id="1" dur="indefinite" restart="never" nodeType="tmRoot"/>
-      </p:par>
-    </p:tnLst>
-  </p:timing>
 </p:sld>
 </file>
 
@@ -5434,10 +5237,9 @@
           <a:lstStyle/>
           <a:p>
             <a:r>
-              <a:rPr lang="en-US" dirty="0" smtClean="0"/>
+              <a:rPr lang="en-US" dirty="0"/>
               <a:t>Activation Function</a:t>
             </a:r>
-            <a:endParaRPr lang="en-US" dirty="0"/>
           </a:p>
         </p:txBody>
       </p:sp>
@@ -5633,7 +5435,7 @@
               <a:t>a: sigmoid </a:t>
             </a:r>
             <a:r>
-              <a:rPr lang="en-US" sz="1200" b="1" dirty="0" smtClean="0">
+              <a:rPr lang="en-US" sz="1200" b="1" dirty="0">
                 <a:solidFill>
                   <a:schemeClr val="tx1"/>
                 </a:solidFill>
@@ -5668,7 +5470,7 @@
           <a:p>
             <a:pPr algn="ctr"/>
             <a:r>
-              <a:rPr lang="en-US" sz="1200" b="1" dirty="0" smtClean="0">
+              <a:rPr lang="en-US" sz="1200" b="1" dirty="0">
                 <a:solidFill>
                   <a:schemeClr val="tx1"/>
                 </a:solidFill>
@@ -5703,7 +5505,7 @@
           <a:p>
             <a:pPr algn="ctr"/>
             <a:r>
-              <a:rPr lang="en-US" sz="1200" b="1" dirty="0" smtClean="0">
+              <a:rPr lang="en-US" sz="1200" b="1" dirty="0">
                 <a:solidFill>
                   <a:schemeClr val="tx1"/>
                 </a:solidFill>
@@ -5725,7 +5527,7 @@
             <p:spPr>
               <a:xfrm>
                 <a:off x="1499747" y="5859773"/>
-                <a:ext cx="1903150" cy="369332"/>
+                <a:ext cx="1899110" cy="369332"/>
               </a:xfrm>
               <a:prstGeom prst="rect">
                 <a:avLst/>
@@ -5766,10 +5568,10 @@
                             <m:rPr>
                               <m:sty m:val="p"/>
                             </m:rPr>
-                            <a:rPr lang="en-US" sz="1800" b="0" i="0" smtClean="0">
+                            <a:rPr lang="en-US" altLang="zh-Hans" sz="1800" b="0" i="0" smtClean="0">
                               <a:latin typeface="Cambria Math" panose="02040503050406030204" pitchFamily="18" charset="0"/>
                             </a:rPr>
-                            <m:t>x</m:t>
+                            <m:t>z</m:t>
                           </m:r>
                         </m:e>
                       </m:d>
@@ -5804,13 +5606,10 @@
                             <m:t>0,</m:t>
                           </m:r>
                           <m:r>
-                            <m:rPr>
-                              <m:sty m:val="p"/>
-                            </m:rPr>
-                            <a:rPr lang="en-US" sz="1800" b="0" i="0" smtClean="0">
+                            <a:rPr lang="en-US" altLang="zh-Hans" sz="1800" b="0" i="1" smtClean="0">
                               <a:latin typeface="Cambria Math" panose="02040503050406030204" pitchFamily="18" charset="0"/>
                             </a:rPr>
-                            <m:t>x</m:t>
+                            <m:t>𝑧</m:t>
                           </m:r>
                         </m:e>
                       </m:d>
@@ -5836,15 +5635,15 @@
             <p:spPr>
               <a:xfrm>
                 <a:off x="1499747" y="5859773"/>
-                <a:ext cx="1903150" cy="369332"/>
+                <a:ext cx="1899110" cy="369332"/>
               </a:xfrm>
               <a:prstGeom prst="rect">
                 <a:avLst/>
               </a:prstGeom>
-              <a:blipFill rotWithShape="0">
+              <a:blipFill>
                 <a:blip r:embed="rId6"/>
                 <a:stretch>
-                  <a:fillRect b="-8197"/>
+                  <a:fillRect b="-10000"/>
                 </a:stretch>
               </a:blipFill>
             </p:spPr>
@@ -5874,7 +5673,7 @@
             <p:spPr>
               <a:xfrm>
                 <a:off x="6053956" y="2711298"/>
-                <a:ext cx="1763623" cy="617348"/>
+                <a:ext cx="1714765" cy="617348"/>
               </a:xfrm>
               <a:prstGeom prst="rect">
                 <a:avLst/>
@@ -5915,10 +5714,10 @@
                             <m:rPr>
                               <m:sty m:val="p"/>
                             </m:rPr>
-                            <a:rPr lang="en-US" sz="1800" b="0" i="0" smtClean="0">
+                            <a:rPr lang="en-US" altLang="zh-Hans" sz="1800" i="1">
                               <a:latin typeface="Cambria Math" panose="02040503050406030204" pitchFamily="18" charset="0"/>
                             </a:rPr>
-                            <m:t>x</m:t>
+                            <m:t>z</m:t>
                           </m:r>
                         </m:e>
                       </m:d>
@@ -5975,10 +5774,10 @@
                                 <m:t>−</m:t>
                               </m:r>
                               <m:r>
-                                <a:rPr lang="en-US" sz="1800" b="0" i="1" smtClean="0">
+                                <a:rPr lang="en-US" altLang="zh-Hans" sz="1800" b="0" i="1" smtClean="0">
                                   <a:latin typeface="Cambria Math" panose="02040503050406030204" pitchFamily="18" charset="0"/>
                                 </a:rPr>
-                                <m:t>𝑥</m:t>
+                                <m:t>𝑧</m:t>
                               </m:r>
                             </m:sup>
                           </m:sSup>
@@ -6006,15 +5805,15 @@
             <p:spPr>
               <a:xfrm>
                 <a:off x="6053956" y="2711298"/>
-                <a:ext cx="1763623" cy="617348"/>
+                <a:ext cx="1714765" cy="617348"/>
               </a:xfrm>
               <a:prstGeom prst="rect">
                 <a:avLst/>
               </a:prstGeom>
-              <a:blipFill rotWithShape="0">
+              <a:blipFill>
                 <a:blip r:embed="rId7"/>
                 <a:stretch>
-                  <a:fillRect/>
+                  <a:fillRect b="-2000"/>
                 </a:stretch>
               </a:blipFill>
             </p:spPr>
@@ -6044,7 +5843,7 @@
             <p:spPr>
               <a:xfrm>
                 <a:off x="6020348" y="5735765"/>
-                <a:ext cx="2234907" cy="617348"/>
+                <a:ext cx="2216504" cy="617348"/>
               </a:xfrm>
               <a:prstGeom prst="rect">
                 <a:avLst/>
@@ -6085,10 +5884,10 @@
                             <m:rPr>
                               <m:sty m:val="p"/>
                             </m:rPr>
-                            <a:rPr lang="en-US" sz="1800" b="0" i="0" smtClean="0">
+                            <a:rPr lang="en-US" altLang="zh-Hans" sz="1800" b="0" i="0" smtClean="0">
                               <a:latin typeface="Cambria Math" panose="02040503050406030204" pitchFamily="18" charset="0"/>
                             </a:rPr>
-                            <m:t>x</m:t>
+                            <m:t>z</m:t>
                           </m:r>
                         </m:e>
                       </m:d>
@@ -6145,10 +5944,10 @@
                                 <m:t>−2</m:t>
                               </m:r>
                               <m:r>
-                                <a:rPr lang="en-US" sz="1800" b="0" i="1" smtClean="0">
+                                <a:rPr lang="en-US" altLang="zh-Hans" sz="1800" b="0" i="1" smtClean="0">
                                   <a:latin typeface="Cambria Math" panose="02040503050406030204" pitchFamily="18" charset="0"/>
                                 </a:rPr>
-                                <m:t>𝑥</m:t>
+                                <m:t>𝑧</m:t>
                               </m:r>
                             </m:sup>
                           </m:sSup>
@@ -6182,15 +5981,15 @@
             <p:spPr>
               <a:xfrm>
                 <a:off x="6020348" y="5735765"/>
-                <a:ext cx="2234907" cy="617348"/>
+                <a:ext cx="2216504" cy="617348"/>
               </a:xfrm>
               <a:prstGeom prst="rect">
                 <a:avLst/>
               </a:prstGeom>
-              <a:blipFill rotWithShape="0">
+              <a:blipFill>
                 <a:blip r:embed="rId8"/>
                 <a:stretch>
-                  <a:fillRect/>
+                  <a:fillRect b="-2041"/>
                 </a:stretch>
               </a:blipFill>
             </p:spPr>
@@ -6219,13 +6018,6 @@
   <p:clrMapOvr>
     <a:masterClrMapping/>
   </p:clrMapOvr>
-  <p:timing>
-    <p:tnLst>
-      <p:par>
-        <p:cTn id="1" dur="indefinite" restart="never" nodeType="tmRoot"/>
-      </p:par>
-    </p:tnLst>
-  </p:timing>
 </p:sld>
 </file>
 
@@ -6262,10 +6054,9 @@
           <a:lstStyle/>
           <a:p>
             <a:r>
-              <a:rPr lang="en-US" dirty="0" smtClean="0"/>
+              <a:rPr lang="en-US" dirty="0"/>
               <a:t>Cost Function</a:t>
             </a:r>
-            <a:endParaRPr lang="en-US" dirty="0"/>
           </a:p>
         </p:txBody>
       </p:sp>
@@ -6297,12 +6088,12 @@
               </a:lnSpc>
             </a:pPr>
             <a:r>
-              <a:rPr lang="en-US" sz="1600" dirty="0" smtClean="0">
+              <a:rPr lang="en-US" sz="1600" dirty="0">
                 <a:latin typeface="+mj-lt"/>
               </a:rPr>
               <a:t>A cost function is needed to measure how far off our predictions are away from the expected value.</a:t>
             </a:r>
-            <a:endParaRPr lang="en-US" sz="1600" dirty="0" smtClean="0">
+            <a:endParaRPr lang="en-US" sz="1600" dirty="0">
               <a:solidFill>
                 <a:schemeClr val="tx1"/>
               </a:solidFill>
@@ -6343,7 +6134,7 @@
               <a:buChar char="•"/>
             </a:pPr>
             <a:r>
-              <a:rPr lang="en-US" sz="1600" b="1" dirty="0" smtClean="0">
+              <a:rPr lang="en-US" sz="1600" b="1" dirty="0">
                 <a:solidFill>
                   <a:srgbClr val="434343"/>
                 </a:solidFill>
@@ -6352,22 +6143,13 @@
               <a:t>y</a:t>
             </a:r>
             <a:r>
-              <a:rPr lang="en-US" sz="1600" dirty="0" smtClean="0">
-                <a:solidFill>
-                  <a:srgbClr val="434343"/>
-                </a:solidFill>
-                <a:latin typeface="+mn-lt"/>
-              </a:rPr>
-              <a:t> </a:t>
-            </a:r>
-            <a:r>
               <a:rPr lang="en-US" sz="1600" dirty="0">
                 <a:solidFill>
                   <a:srgbClr val="434343"/>
                 </a:solidFill>
                 <a:latin typeface="+mn-lt"/>
               </a:rPr>
-              <a:t>to represent the true value</a:t>
+              <a:t> to represent the true value</a:t>
             </a:r>
           </a:p>
           <a:p>
@@ -6443,7 +6225,7 @@
                   <a:buChar char="•"/>
                 </a:pPr>
                 <a:r>
-                  <a:rPr lang="en-US" sz="2000" dirty="0" smtClean="0">
+                  <a:rPr lang="en-US" sz="2000" dirty="0">
                     <a:solidFill>
                       <a:srgbClr val="434343"/>
                     </a:solidFill>
@@ -6452,7 +6234,7 @@
                   <a:t>Quadratic cost function (</a:t>
                 </a:r>
                 <a:r>
-                  <a:rPr lang="en-US" sz="2000" u="sng" dirty="0" smtClean="0">
+                  <a:rPr lang="en-US" sz="2000" u="sng" dirty="0">
                     <a:solidFill>
                       <a:srgbClr val="434343"/>
                     </a:solidFill>
@@ -6461,7 +6243,7 @@
                   <a:t>regression</a:t>
                 </a:r>
                 <a:r>
-                  <a:rPr lang="en-US" sz="2000" dirty="0" smtClean="0">
+                  <a:rPr lang="en-US" sz="2000" dirty="0">
                     <a:solidFill>
                       <a:srgbClr val="434343"/>
                     </a:solidFill>
@@ -6696,7 +6478,7 @@
                     </m:oMath>
                   </m:oMathPara>
                 </a14:m>
-                <a:endParaRPr lang="en-US" sz="2000" dirty="0" smtClean="0">
+                <a:endParaRPr lang="en-US" sz="2000" dirty="0">
                   <a:solidFill>
                     <a:srgbClr val="434343"/>
                   </a:solidFill>
@@ -6715,7 +6497,7 @@
                   <a:buChar char="•"/>
                 </a:pPr>
                 <a:r>
-                  <a:rPr lang="en-US" sz="2000" dirty="0" smtClean="0">
+                  <a:rPr lang="en-US" sz="2000" dirty="0">
                     <a:solidFill>
                       <a:srgbClr val="434343"/>
                     </a:solidFill>
@@ -6724,7 +6506,7 @@
                   <a:t>Cross-entropy cost function (</a:t>
                 </a:r>
                 <a:r>
-                  <a:rPr lang="en-US" sz="2000" u="sng" dirty="0" smtClean="0">
+                  <a:rPr lang="en-US" sz="2000" u="sng" dirty="0">
                     <a:solidFill>
                       <a:srgbClr val="434343"/>
                     </a:solidFill>
@@ -6733,7 +6515,7 @@
                   <a:t>classification: one-hot encoding</a:t>
                 </a:r>
                 <a:r>
-                  <a:rPr lang="en-US" sz="2000" dirty="0" smtClean="0">
+                  <a:rPr lang="en-US" sz="2000" dirty="0">
                     <a:solidFill>
                       <a:srgbClr val="434343"/>
                     </a:solidFill>
@@ -7025,19 +6807,12 @@
               <a:rPr lang="en-US" sz="1400" dirty="0">
                 <a:hlinkClick r:id="rId3"/>
               </a:rPr>
-              <a:t>http://rdipietro.github.io/friendly-intro-to-cross-entropy-loss</a:t>
-            </a:r>
-            <a:r>
-              <a:rPr lang="en-US" sz="1400" dirty="0" smtClean="0">
-                <a:hlinkClick r:id="rId3"/>
-              </a:rPr>
-              <a:t>/</a:t>
-            </a:r>
-            <a:r>
-              <a:rPr lang="en-US" sz="1400" dirty="0" smtClean="0"/>
+              <a:t>http://rdipietro.github.io/friendly-intro-to-cross-entropy-loss/</a:t>
+            </a:r>
+            <a:r>
+              <a:rPr lang="en-US" sz="1400" dirty="0"/>
               <a:t> </a:t>
             </a:r>
-            <a:endParaRPr lang="en-US" sz="1400" dirty="0"/>
           </a:p>
         </p:txBody>
       </p:sp>
@@ -7051,13 +6826,6 @@
   <p:clrMapOvr>
     <a:masterClrMapping/>
   </p:clrMapOvr>
-  <p:timing>
-    <p:tnLst>
-      <p:par>
-        <p:cTn id="1" dur="indefinite" restart="never" nodeType="tmRoot"/>
-      </p:par>
-    </p:tnLst>
-  </p:timing>
 </p:sld>
 </file>
 
@@ -7094,11 +6862,11 @@
           <a:lstStyle/>
           <a:p>
             <a:r>
-              <a:rPr lang="en-US" dirty="0" smtClean="0"/>
+              <a:rPr lang="en-US" dirty="0"/>
               <a:t>Backpropagation </a:t>
             </a:r>
             <a:r>
-              <a:rPr lang="en-US" dirty="0" smtClean="0">
+              <a:rPr lang="en-US" dirty="0">
                 <a:sym typeface="Wingdings" panose="05000000000000000000" pitchFamily="2" charset="2"/>
               </a:rPr>
               <a:t> learning</a:t>
@@ -7150,7 +6918,7 @@
               <a:buFont typeface="Arial" panose="020B0604020202020204" pitchFamily="34" charset="0"/>
               <a:buChar char="•"/>
             </a:pPr>
-            <a:endParaRPr lang="en-US" sz="1800" dirty="0" smtClean="0"/>
+            <a:endParaRPr lang="en-US" sz="1800" dirty="0"/>
           </a:p>
           <a:p>
             <a:pPr marL="342900" indent="-342900" algn="just">
@@ -7164,13 +6932,7 @@
               <a:rPr lang="en-US" sz="1800" dirty="0">
                 <a:latin typeface="+mj-lt"/>
               </a:rPr>
-              <a:t>It relies heavily on the chain rule to go back through the network and calculate these errors</a:t>
-            </a:r>
-            <a:r>
-              <a:rPr lang="en-US" sz="1800" dirty="0" smtClean="0">
-                <a:latin typeface="+mj-lt"/>
-              </a:rPr>
-              <a:t>.</a:t>
+              <a:t>It relies heavily on the chain rule to go back through the network and calculate these errors.</a:t>
             </a:r>
           </a:p>
           <a:p>
@@ -7194,31 +6956,19 @@
               <a:buChar char="•"/>
             </a:pPr>
             <a:r>
-              <a:rPr lang="en-US" sz="1800" dirty="0" smtClean="0">
-                <a:latin typeface="+mj-lt"/>
-              </a:rPr>
-              <a:t>Backpropagation </a:t>
-            </a:r>
-            <a:r>
               <a:rPr lang="en-US" sz="1800" dirty="0">
                 <a:latin typeface="+mj-lt"/>
               </a:rPr>
-              <a:t>works by calculating the error at the output and then distributes back through the network </a:t>
-            </a:r>
-            <a:r>
-              <a:rPr lang="en-US" sz="1800" dirty="0" smtClean="0">
-                <a:latin typeface="+mj-lt"/>
-              </a:rPr>
-              <a:t>layers </a:t>
-            </a:r>
-            <a:r>
-              <a:rPr lang="en-US" altLang="zh-CN" sz="1800" dirty="0" smtClean="0">
+              <a:t>Backpropagation works by calculating the error at the output and then distributes back through the network layers </a:t>
+            </a:r>
+            <a:r>
+              <a:rPr lang="en-US" altLang="zh-CN" sz="1800" dirty="0">
                 <a:latin typeface="+mj-lt"/>
               </a:rPr>
               <a:t>through stochastic gradient descent</a:t>
             </a:r>
             <a:r>
-              <a:rPr lang="en-US" sz="1800" dirty="0" smtClean="0">
+              <a:rPr lang="en-US" sz="1800" dirty="0">
                 <a:latin typeface="+mj-lt"/>
               </a:rPr>
               <a:t>.</a:t>
@@ -7277,19 +7027,12 @@
               <a:rPr lang="en-US" sz="1200" dirty="0">
                 <a:hlinkClick r:id="rId2"/>
               </a:rPr>
-              <a:t>https://</a:t>
-            </a:r>
-            <a:r>
-              <a:rPr lang="en-US" sz="1200" dirty="0" smtClean="0">
-                <a:hlinkClick r:id="rId2"/>
-              </a:rPr>
-              <a:t>www.youtube.com/watch?v=Ilg3gGewQ5U</a:t>
-            </a:r>
-            <a:r>
-              <a:rPr lang="en-US" sz="1200" dirty="0" smtClean="0"/>
+              <a:t>https://www.youtube.com/watch?v=Ilg3gGewQ5U</a:t>
+            </a:r>
+            <a:r>
+              <a:rPr lang="en-US" sz="1200" dirty="0"/>
               <a:t> </a:t>
             </a:r>
-            <a:endParaRPr lang="en-US" sz="1200" dirty="0"/>
           </a:p>
         </p:txBody>
       </p:sp>
@@ -7303,13 +7046,6 @@
   <p:clrMapOvr>
     <a:masterClrMapping/>
   </p:clrMapOvr>
-  <p:timing>
-    <p:tnLst>
-      <p:par>
-        <p:cTn id="1" dur="indefinite" restart="never" nodeType="tmRoot"/>
-      </p:par>
-    </p:tnLst>
-  </p:timing>
 </p:sld>
 </file>
 
@@ -7346,10 +7082,9 @@
           <a:lstStyle/>
           <a:p>
             <a:r>
-              <a:rPr lang="en-US" dirty="0" smtClean="0"/>
+              <a:rPr lang="en-US" dirty="0"/>
               <a:t>Different Types of Neural Networks</a:t>
             </a:r>
-            <a:endParaRPr lang="en-US" dirty="0"/>
           </a:p>
         </p:txBody>
       </p:sp>
@@ -7383,7 +7118,7 @@
               <a:buChar char="•"/>
             </a:pPr>
             <a:r>
-              <a:rPr lang="en-US" sz="1400" dirty="0" smtClean="0">
+              <a:rPr lang="en-US" sz="1400" dirty="0">
                 <a:solidFill>
                   <a:schemeClr val="tx1"/>
                 </a:solidFill>
@@ -7392,7 +7127,7 @@
               <a:t>Recurrent deep </a:t>
             </a:r>
             <a:r>
-              <a:rPr lang="en-US" sz="1400" dirty="0" smtClean="0">
+              <a:rPr lang="en-US" sz="1400" dirty="0">
                 <a:latin typeface="+mj-lt"/>
               </a:rPr>
               <a:t>neural network</a:t>
@@ -7407,34 +7142,22 @@
               <a:buChar char="•"/>
             </a:pPr>
             <a:r>
-              <a:rPr lang="en-US" sz="1400" dirty="0" smtClean="0">
-                <a:latin typeface="+mj-lt"/>
-              </a:rPr>
-              <a:t>RNN makes full use of the sequential information, </a:t>
-            </a:r>
-            <a:r>
               <a:rPr lang="en-US" sz="1400" dirty="0">
                 <a:latin typeface="+mj-lt"/>
               </a:rPr>
-              <a:t>with the output being depended on the previous computations. T</a:t>
-            </a:r>
-            <a:r>
-              <a:rPr lang="en-US" sz="1400" dirty="0" smtClean="0">
+              <a:t>RNN makes full use of the sequential information, with the output being depende</a:t>
+            </a:r>
+            <a:r>
+              <a:rPr lang="en-US" altLang="zh-Hans" sz="1400" dirty="0">
                 <a:latin typeface="+mj-lt"/>
               </a:rPr>
-              <a:t>hey </a:t>
+              <a:t>nt</a:t>
             </a:r>
             <a:r>
               <a:rPr lang="en-US" sz="1400" dirty="0">
                 <a:latin typeface="+mj-lt"/>
               </a:rPr>
-              <a:t>have a “memory” which captures information about what has been calculated so </a:t>
-            </a:r>
-            <a:r>
-              <a:rPr lang="en-US" sz="1400" dirty="0" smtClean="0">
-                <a:latin typeface="+mj-lt"/>
-              </a:rPr>
-              <a:t>far.</a:t>
+              <a:t> on the previous computations. They have a “memory” which captures information about what has been calculated so far.</a:t>
             </a:r>
           </a:p>
           <a:p>
@@ -7445,7 +7168,7 @@
               <a:buFont typeface="Arial" panose="020B0604020202020204" pitchFamily="34" charset="0"/>
               <a:buChar char="•"/>
             </a:pPr>
-            <a:endParaRPr lang="en-US" sz="1400" dirty="0" smtClean="0">
+            <a:endParaRPr lang="en-US" sz="1400" dirty="0">
               <a:solidFill>
                 <a:schemeClr val="tx1"/>
               </a:solidFill>
@@ -7461,7 +7184,7 @@
               <a:buChar char="•"/>
             </a:pPr>
             <a:r>
-              <a:rPr lang="en-US" sz="1400" dirty="0" smtClean="0">
+              <a:rPr lang="en-US" sz="1400" dirty="0">
                 <a:latin typeface="+mj-lt"/>
               </a:rPr>
               <a:t>Feed-forward deep neural network</a:t>
@@ -7476,20 +7199,11 @@
               <a:buChar char="•"/>
             </a:pPr>
             <a:r>
-              <a:rPr lang="en-US" sz="1400" dirty="0" smtClean="0">
-                <a:latin typeface="+mj-lt"/>
-              </a:rPr>
-              <a:t>DNN distinguishes itself </a:t>
-            </a:r>
-            <a:r>
               <a:rPr lang="en-US" sz="1400" dirty="0">
                 <a:latin typeface="+mj-lt"/>
               </a:rPr>
-              <a:t>from the more commonplace single-hidden-layer neural networks by their depth. </a:t>
-            </a:r>
-            <a:endParaRPr lang="en-US" sz="1400" dirty="0" smtClean="0">
-              <a:latin typeface="+mj-lt"/>
-            </a:endParaRPr>
+              <a:t>DNN distinguishes itself from the more commonplace single-hidden-layer neural networks by their depth. </a:t>
+            </a:r>
           </a:p>
           <a:p>
             <a:pPr marL="800100" lvl="1" indent="-342900" algn="just">
@@ -7500,22 +7214,10 @@
               <a:buChar char="•"/>
             </a:pPr>
             <a:r>
-              <a:rPr lang="en-US" sz="1400" dirty="0" smtClean="0">
-                <a:latin typeface="+mj-lt"/>
-              </a:rPr>
-              <a:t>In </a:t>
-            </a:r>
-            <a:r>
               <a:rPr lang="en-US" sz="1400" dirty="0">
                 <a:latin typeface="+mj-lt"/>
               </a:rPr>
-              <a:t>deep-learning networks, each layer of nodes trains on a distinct set of features based on the previous layer’s output. The further you advance into the neural net, the more complex the features your nodes can </a:t>
-            </a:r>
-            <a:r>
-              <a:rPr lang="en-US" sz="1400" dirty="0" smtClean="0">
-                <a:latin typeface="+mj-lt"/>
-              </a:rPr>
-              <a:t>recognize.</a:t>
+              <a:t>In deep-learning networks, each layer of nodes trains on a distinct set of features based on the previous layer’s output. The further you advance into the neural net, the more complex the features your nodes can recognize.</a:t>
             </a:r>
           </a:p>
           <a:p>
@@ -7524,7 +7226,7 @@
                 <a:spcPct val="150000"/>
               </a:lnSpc>
             </a:pPr>
-            <a:endParaRPr lang="en-US" sz="1400" dirty="0" smtClean="0">
+            <a:endParaRPr lang="en-US" sz="1400" dirty="0">
               <a:latin typeface="+mj-lt"/>
             </a:endParaRPr>
           </a:p>
@@ -7537,7 +7239,7 @@
               <a:buChar char="•"/>
             </a:pPr>
             <a:r>
-              <a:rPr lang="en-US" sz="1400" dirty="0" smtClean="0">
+              <a:rPr lang="en-US" sz="1400" dirty="0">
                 <a:latin typeface="+mj-lt"/>
               </a:rPr>
               <a:t>Convolutional deep neural network</a:t>
@@ -7552,22 +7254,10 @@
               <a:buChar char="•"/>
             </a:pPr>
             <a:r>
-              <a:rPr lang="en-US" sz="1400" dirty="0" smtClean="0">
-                <a:latin typeface="+mj-lt"/>
-              </a:rPr>
-              <a:t>CNN is </a:t>
-            </a:r>
-            <a:r>
               <a:rPr lang="en-US" sz="1400" dirty="0">
                 <a:latin typeface="+mj-lt"/>
               </a:rPr>
-              <a:t>a class of deep, feed-forward artificial neural networks that has successfully been applied to analyzing visual </a:t>
-            </a:r>
-            <a:r>
-              <a:rPr lang="en-US" sz="1400" dirty="0" smtClean="0">
-                <a:latin typeface="+mj-lt"/>
-              </a:rPr>
-              <a:t>imagery.</a:t>
+              <a:t>CNN is a class of deep, feed-forward artificial neural networks that has successfully been applied to analyzing visual imagery.</a:t>
             </a:r>
           </a:p>
         </p:txBody>
@@ -7582,13 +7272,6 @@
   <p:clrMapOvr>
     <a:masterClrMapping/>
   </p:clrMapOvr>
-  <p:timing>
-    <p:tnLst>
-      <p:par>
-        <p:cTn id="1" dur="indefinite" restart="never" nodeType="tmRoot"/>
-      </p:par>
-    </p:tnLst>
-  </p:timing>
 </p:sld>
 </file>
 
@@ -7625,10 +7308,9 @@
           <a:lstStyle/>
           <a:p>
             <a:r>
-              <a:rPr lang="en-US" sz="2400" dirty="0" smtClean="0"/>
+              <a:rPr lang="en-US" sz="2400" dirty="0"/>
               <a:t>Convolutional Neural Network (CNN)</a:t>
             </a:r>
-            <a:endParaRPr lang="en-US" sz="2400" dirty="0"/>
           </a:p>
         </p:txBody>
       </p:sp>
@@ -7673,6 +7355,48 @@
           </a:extLst>
         </p:spPr>
       </p:pic>
+      <p:sp>
+        <p:nvSpPr>
+          <p:cNvPr id="3" name="Rectangle 2">
+            <a:extLst>
+              <a:ext uri="{FF2B5EF4-FFF2-40B4-BE49-F238E27FC236}">
+                <a16:creationId xmlns:a16="http://schemas.microsoft.com/office/drawing/2014/main" id="{68959D06-1C51-3D47-AB53-EB1A6E033BF3}"/>
+              </a:ext>
+            </a:extLst>
+          </p:cNvPr>
+          <p:cNvSpPr/>
+          <p:nvPr/>
+        </p:nvSpPr>
+        <p:spPr>
+          <a:xfrm>
+            <a:off x="457200" y="5717773"/>
+            <a:ext cx="8082366" cy="338554"/>
+          </a:xfrm>
+          <a:prstGeom prst="rect">
+            <a:avLst/>
+          </a:prstGeom>
+        </p:spPr>
+        <p:txBody>
+          <a:bodyPr wrap="square">
+            <a:spAutoFit/>
+          </a:bodyPr>
+          <a:lstStyle/>
+          <a:p>
+            <a:pPr algn="ctr"/>
+            <a:r>
+              <a:rPr lang="en-US" sz="1600" dirty="0">
+                <a:hlinkClick r:id="rId3"/>
+              </a:rPr>
+              <a:t>http://cs231n.github.io/convolutional-networks/</a:t>
+            </a:r>
+            <a:r>
+              <a:rPr lang="zh-Hans" altLang="en-US" sz="1600" dirty="0"/>
+              <a:t> </a:t>
+            </a:r>
+            <a:endParaRPr lang="en-US" sz="1600" dirty="0"/>
+          </a:p>
+        </p:txBody>
+      </p:sp>
     </p:spTree>
     <p:extLst>
       <p:ext uri="{BB962C8B-B14F-4D97-AF65-F5344CB8AC3E}">
@@ -7683,13 +7407,6 @@
   <p:clrMapOvr>
     <a:masterClrMapping/>
   </p:clrMapOvr>
-  <p:timing>
-    <p:tnLst>
-      <p:par>
-        <p:cTn id="1" dur="indefinite" restart="never" nodeType="tmRoot"/>
-      </p:par>
-    </p:tnLst>
-  </p:timing>
 </p:sld>
 </file>
 
